--- a/mysql/mysql分享-连接查询和子查询.pptx
+++ b/mysql/mysql分享-连接查询和子查询.pptx
@@ -9,7 +9,8 @@
     <p:sldId id="265" r:id="rId3"/>
     <p:sldId id="266" r:id="rId4"/>
     <p:sldId id="267" r:id="rId5"/>
-    <p:sldId id="268" r:id="rId6"/>
+    <p:sldId id="269" r:id="rId6"/>
+    <p:sldId id="268" r:id="rId7"/>
   </p:sldIdLst>
   <p:sldSz cx="9144000" cy="6858000" type="screen4x3"/>
   <p:notesSz cx="6858000" cy="9144000"/>
@@ -292,7 +293,7 @@
           <a:p>
             <a:fld id="{530820CF-B880-4189-942D-D702A7CBA730}" type="datetimeFigureOut">
               <a:rPr lang="zh-CN" altLang="en-US" smtClean="0"/>
-              <a:t>2018/3/7</a:t>
+              <a:t>2018/3/26</a:t>
             </a:fld>
             <a:endParaRPr lang="zh-CN" altLang="en-US"/>
           </a:p>
@@ -457,7 +458,7 @@
           <a:p>
             <a:fld id="{530820CF-B880-4189-942D-D702A7CBA730}" type="datetimeFigureOut">
               <a:rPr lang="zh-CN" altLang="en-US" smtClean="0"/>
-              <a:t>2018/3/7</a:t>
+              <a:t>2018/3/26</a:t>
             </a:fld>
             <a:endParaRPr lang="zh-CN" altLang="en-US"/>
           </a:p>
@@ -632,7 +633,7 @@
           <a:p>
             <a:fld id="{530820CF-B880-4189-942D-D702A7CBA730}" type="datetimeFigureOut">
               <a:rPr lang="zh-CN" altLang="en-US" smtClean="0"/>
-              <a:t>2018/3/7</a:t>
+              <a:t>2018/3/26</a:t>
             </a:fld>
             <a:endParaRPr lang="zh-CN" altLang="en-US"/>
           </a:p>
@@ -797,7 +798,7 @@
           <a:p>
             <a:fld id="{530820CF-B880-4189-942D-D702A7CBA730}" type="datetimeFigureOut">
               <a:rPr lang="zh-CN" altLang="en-US" smtClean="0"/>
-              <a:t>2018/3/7</a:t>
+              <a:t>2018/3/26</a:t>
             </a:fld>
             <a:endParaRPr lang="zh-CN" altLang="en-US"/>
           </a:p>
@@ -1038,7 +1039,7 @@
           <a:p>
             <a:fld id="{530820CF-B880-4189-942D-D702A7CBA730}" type="datetimeFigureOut">
               <a:rPr lang="zh-CN" altLang="en-US" smtClean="0"/>
-              <a:t>2018/3/7</a:t>
+              <a:t>2018/3/26</a:t>
             </a:fld>
             <a:endParaRPr lang="zh-CN" altLang="en-US"/>
           </a:p>
@@ -1321,7 +1322,7 @@
           <a:p>
             <a:fld id="{530820CF-B880-4189-942D-D702A7CBA730}" type="datetimeFigureOut">
               <a:rPr lang="zh-CN" altLang="en-US" smtClean="0"/>
-              <a:t>2018/3/7</a:t>
+              <a:t>2018/3/26</a:t>
             </a:fld>
             <a:endParaRPr lang="zh-CN" altLang="en-US"/>
           </a:p>
@@ -1738,7 +1739,7 @@
           <a:p>
             <a:fld id="{530820CF-B880-4189-942D-D702A7CBA730}" type="datetimeFigureOut">
               <a:rPr lang="zh-CN" altLang="en-US" smtClean="0"/>
-              <a:t>2018/3/7</a:t>
+              <a:t>2018/3/26</a:t>
             </a:fld>
             <a:endParaRPr lang="zh-CN" altLang="en-US"/>
           </a:p>
@@ -1851,7 +1852,7 @@
           <a:p>
             <a:fld id="{530820CF-B880-4189-942D-D702A7CBA730}" type="datetimeFigureOut">
               <a:rPr lang="zh-CN" altLang="en-US" smtClean="0"/>
-              <a:t>2018/3/7</a:t>
+              <a:t>2018/3/26</a:t>
             </a:fld>
             <a:endParaRPr lang="zh-CN" altLang="en-US"/>
           </a:p>
@@ -1941,7 +1942,7 @@
           <a:p>
             <a:fld id="{530820CF-B880-4189-942D-D702A7CBA730}" type="datetimeFigureOut">
               <a:rPr lang="zh-CN" altLang="en-US" smtClean="0"/>
-              <a:t>2018/3/7</a:t>
+              <a:t>2018/3/26</a:t>
             </a:fld>
             <a:endParaRPr lang="zh-CN" altLang="en-US"/>
           </a:p>
@@ -2213,7 +2214,7 @@
           <a:p>
             <a:fld id="{530820CF-B880-4189-942D-D702A7CBA730}" type="datetimeFigureOut">
               <a:rPr lang="zh-CN" altLang="en-US" smtClean="0"/>
-              <a:t>2018/3/7</a:t>
+              <a:t>2018/3/26</a:t>
             </a:fld>
             <a:endParaRPr lang="zh-CN" altLang="en-US"/>
           </a:p>
@@ -2461,7 +2462,7 @@
           <a:p>
             <a:fld id="{530820CF-B880-4189-942D-D702A7CBA730}" type="datetimeFigureOut">
               <a:rPr lang="zh-CN" altLang="en-US" smtClean="0"/>
-              <a:t>2018/3/7</a:t>
+              <a:t>2018/3/26</a:t>
             </a:fld>
             <a:endParaRPr lang="zh-CN" altLang="en-US"/>
           </a:p>
@@ -2669,7 +2670,7 @@
           <a:p>
             <a:fld id="{530820CF-B880-4189-942D-D702A7CBA730}" type="datetimeFigureOut">
               <a:rPr lang="zh-CN" altLang="en-US" smtClean="0"/>
-              <a:t>2018/3/7</a:t>
+              <a:t>2018/3/26</a:t>
             </a:fld>
             <a:endParaRPr lang="zh-CN" altLang="en-US"/>
           </a:p>
@@ -3062,7 +3063,6 @@
               <a:rPr lang="zh-CN" altLang="en-US" dirty="0"/>
               <a:t>分享之连接查询与子查询</a:t>
             </a:r>
-            <a:endParaRPr lang="zh-CN" altLang="en-US" dirty="0"/>
           </a:p>
         </p:txBody>
       </p:sp>
@@ -3140,7 +3140,6 @@
               <a:rPr lang="zh-CN" altLang="en-US" dirty="0"/>
               <a:t>内容</a:t>
             </a:r>
-            <a:endParaRPr lang="zh-CN" altLang="en-US" dirty="0"/>
           </a:p>
         </p:txBody>
       </p:sp>
@@ -3275,12 +3274,8 @@
           </a:p>
           <a:p>
             <a:r>
-              <a:rPr lang="zh-CN" altLang="en-US" smtClean="0"/>
-              <a:t>连接查询的查询</a:t>
-            </a:r>
-            <a:r>
               <a:rPr lang="zh-CN" altLang="en-US" dirty="0" smtClean="0"/>
-              <a:t>计划中最先扫描的表就是驱动表。</a:t>
+              <a:t>连接查询的查询计划中最先扫描的表就是驱动表。</a:t>
             </a:r>
             <a:endParaRPr lang="en-US" altLang="zh-CN" dirty="0" smtClean="0"/>
           </a:p>
@@ -3535,6 +3530,78 @@
 </file>
 
 <file path=ppt/slides/slide5.xml><?xml version="1.0" encoding="utf-8"?>
+<p:sld xmlns:a="http://schemas.openxmlformats.org/drawingml/2006/main" xmlns:r="http://schemas.openxmlformats.org/officeDocument/2006/relationships" xmlns:p="http://schemas.openxmlformats.org/presentationml/2006/main">
+  <p:cSld>
+    <p:spTree>
+      <p:nvGrpSpPr>
+        <p:cNvPr id="1" name=""/>
+        <p:cNvGrpSpPr/>
+        <p:nvPr/>
+      </p:nvGrpSpPr>
+      <p:grpSpPr>
+        <a:xfrm>
+          <a:off x="0" y="0"/>
+          <a:ext cx="0" cy="0"/>
+          <a:chOff x="0" y="0"/>
+          <a:chExt cx="0" cy="0"/>
+        </a:xfrm>
+      </p:grpSpPr>
+      <p:sp>
+        <p:nvSpPr>
+          <p:cNvPr id="2" name="标题 1"/>
+          <p:cNvSpPr>
+            <a:spLocks noGrp="1"/>
+          </p:cNvSpPr>
+          <p:nvPr>
+            <p:ph type="title"/>
+          </p:nvPr>
+        </p:nvSpPr>
+        <p:spPr/>
+        <p:txBody>
+          <a:bodyPr/>
+          <a:lstStyle/>
+          <a:p>
+            <a:r>
+              <a:rPr lang="zh-CN" altLang="en-US" dirty="0" smtClean="0"/>
+              <a:t>延迟关联</a:t>
+            </a:r>
+            <a:endParaRPr lang="zh-CN" altLang="en-US" dirty="0"/>
+          </a:p>
+        </p:txBody>
+      </p:sp>
+      <p:sp>
+        <p:nvSpPr>
+          <p:cNvPr id="3" name="内容占位符 2"/>
+          <p:cNvSpPr>
+            <a:spLocks noGrp="1"/>
+          </p:cNvSpPr>
+          <p:nvPr>
+            <p:ph idx="1"/>
+          </p:nvPr>
+        </p:nvSpPr>
+        <p:spPr/>
+        <p:txBody>
+          <a:bodyPr/>
+          <a:lstStyle/>
+          <a:p>
+            <a:endParaRPr lang="zh-CN" altLang="en-US"/>
+          </a:p>
+        </p:txBody>
+      </p:sp>
+    </p:spTree>
+    <p:extLst>
+      <p:ext uri="{BB962C8B-B14F-4D97-AF65-F5344CB8AC3E}">
+        <p14:creationId xmlns:p14="http://schemas.microsoft.com/office/powerpoint/2010/main" val="1984416336"/>
+      </p:ext>
+    </p:extLst>
+  </p:cSld>
+  <p:clrMapOvr>
+    <a:masterClrMapping/>
+  </p:clrMapOvr>
+</p:sld>
+</file>
+
+<file path=ppt/slides/slide6.xml><?xml version="1.0" encoding="utf-8"?>
 <p:sld xmlns:a="http://schemas.openxmlformats.org/drawingml/2006/main" xmlns:r="http://schemas.openxmlformats.org/officeDocument/2006/relationships" xmlns:p="http://schemas.openxmlformats.org/presentationml/2006/main">
   <p:cSld>
     <p:spTree>

--- a/mysql/mysql分享-连接查询和子查询.pptx
+++ b/mysql/mysql分享-连接查询和子查询.pptx
@@ -11,6 +11,7 @@
     <p:sldId id="267" r:id="rId5"/>
     <p:sldId id="269" r:id="rId6"/>
     <p:sldId id="268" r:id="rId7"/>
+    <p:sldId id="270" r:id="rId8"/>
   </p:sldIdLst>
   <p:sldSz cx="9144000" cy="6858000" type="screen4x3"/>
   <p:notesSz cx="6858000" cy="9144000"/>
@@ -293,7 +294,7 @@
           <a:p>
             <a:fld id="{530820CF-B880-4189-942D-D702A7CBA730}" type="datetimeFigureOut">
               <a:rPr lang="zh-CN" altLang="en-US" smtClean="0"/>
-              <a:t>2018/3/26</a:t>
+              <a:t>2018/4/10</a:t>
             </a:fld>
             <a:endParaRPr lang="zh-CN" altLang="en-US"/>
           </a:p>
@@ -458,7 +459,7 @@
           <a:p>
             <a:fld id="{530820CF-B880-4189-942D-D702A7CBA730}" type="datetimeFigureOut">
               <a:rPr lang="zh-CN" altLang="en-US" smtClean="0"/>
-              <a:t>2018/3/26</a:t>
+              <a:t>2018/4/10</a:t>
             </a:fld>
             <a:endParaRPr lang="zh-CN" altLang="en-US"/>
           </a:p>
@@ -633,7 +634,7 @@
           <a:p>
             <a:fld id="{530820CF-B880-4189-942D-D702A7CBA730}" type="datetimeFigureOut">
               <a:rPr lang="zh-CN" altLang="en-US" smtClean="0"/>
-              <a:t>2018/3/26</a:t>
+              <a:t>2018/4/10</a:t>
             </a:fld>
             <a:endParaRPr lang="zh-CN" altLang="en-US"/>
           </a:p>
@@ -798,7 +799,7 @@
           <a:p>
             <a:fld id="{530820CF-B880-4189-942D-D702A7CBA730}" type="datetimeFigureOut">
               <a:rPr lang="zh-CN" altLang="en-US" smtClean="0"/>
-              <a:t>2018/3/26</a:t>
+              <a:t>2018/4/10</a:t>
             </a:fld>
             <a:endParaRPr lang="zh-CN" altLang="en-US"/>
           </a:p>
@@ -1039,7 +1040,7 @@
           <a:p>
             <a:fld id="{530820CF-B880-4189-942D-D702A7CBA730}" type="datetimeFigureOut">
               <a:rPr lang="zh-CN" altLang="en-US" smtClean="0"/>
-              <a:t>2018/3/26</a:t>
+              <a:t>2018/4/10</a:t>
             </a:fld>
             <a:endParaRPr lang="zh-CN" altLang="en-US"/>
           </a:p>
@@ -1322,7 +1323,7 @@
           <a:p>
             <a:fld id="{530820CF-B880-4189-942D-D702A7CBA730}" type="datetimeFigureOut">
               <a:rPr lang="zh-CN" altLang="en-US" smtClean="0"/>
-              <a:t>2018/3/26</a:t>
+              <a:t>2018/4/10</a:t>
             </a:fld>
             <a:endParaRPr lang="zh-CN" altLang="en-US"/>
           </a:p>
@@ -1739,7 +1740,7 @@
           <a:p>
             <a:fld id="{530820CF-B880-4189-942D-D702A7CBA730}" type="datetimeFigureOut">
               <a:rPr lang="zh-CN" altLang="en-US" smtClean="0"/>
-              <a:t>2018/3/26</a:t>
+              <a:t>2018/4/10</a:t>
             </a:fld>
             <a:endParaRPr lang="zh-CN" altLang="en-US"/>
           </a:p>
@@ -1852,7 +1853,7 @@
           <a:p>
             <a:fld id="{530820CF-B880-4189-942D-D702A7CBA730}" type="datetimeFigureOut">
               <a:rPr lang="zh-CN" altLang="en-US" smtClean="0"/>
-              <a:t>2018/3/26</a:t>
+              <a:t>2018/4/10</a:t>
             </a:fld>
             <a:endParaRPr lang="zh-CN" altLang="en-US"/>
           </a:p>
@@ -1942,7 +1943,7 @@
           <a:p>
             <a:fld id="{530820CF-B880-4189-942D-D702A7CBA730}" type="datetimeFigureOut">
               <a:rPr lang="zh-CN" altLang="en-US" smtClean="0"/>
-              <a:t>2018/3/26</a:t>
+              <a:t>2018/4/10</a:t>
             </a:fld>
             <a:endParaRPr lang="zh-CN" altLang="en-US"/>
           </a:p>
@@ -2214,7 +2215,7 @@
           <a:p>
             <a:fld id="{530820CF-B880-4189-942D-D702A7CBA730}" type="datetimeFigureOut">
               <a:rPr lang="zh-CN" altLang="en-US" smtClean="0"/>
-              <a:t>2018/3/26</a:t>
+              <a:t>2018/4/10</a:t>
             </a:fld>
             <a:endParaRPr lang="zh-CN" altLang="en-US"/>
           </a:p>
@@ -2462,7 +2463,7 @@
           <a:p>
             <a:fld id="{530820CF-B880-4189-942D-D702A7CBA730}" type="datetimeFigureOut">
               <a:rPr lang="zh-CN" altLang="en-US" smtClean="0"/>
-              <a:t>2018/3/26</a:t>
+              <a:t>2018/4/10</a:t>
             </a:fld>
             <a:endParaRPr lang="zh-CN" altLang="en-US"/>
           </a:p>
@@ -2670,7 +2671,7 @@
           <a:p>
             <a:fld id="{530820CF-B880-4189-942D-D702A7CBA730}" type="datetimeFigureOut">
               <a:rPr lang="zh-CN" altLang="en-US" smtClean="0"/>
-              <a:t>2018/3/26</a:t>
+              <a:t>2018/4/10</a:t>
             </a:fld>
             <a:endParaRPr lang="zh-CN" altLang="en-US"/>
           </a:p>
@@ -3474,40 +3475,16 @@
             <a:endParaRPr lang="en-US" altLang="zh-CN" sz="2800" dirty="0" smtClean="0"/>
           </a:p>
           <a:p>
-            <a:pPr marL="914400" lvl="1" indent="-514350">
-              <a:buFont typeface="+mj-lt"/>
-              <a:buAutoNum type="arabicPeriod"/>
+            <a:pPr marL="400050" lvl="1" indent="0">
+              <a:buNone/>
             </a:pPr>
             <a:r>
               <a:rPr lang="zh-CN" altLang="en-US" sz="2400" dirty="0" smtClean="0"/>
-              <a:t>尽量不要指定</a:t>
-            </a:r>
-            <a:r>
-              <a:rPr lang="en-US" altLang="zh-CN" sz="2400" dirty="0" smtClean="0"/>
-              <a:t>join</a:t>
+              <a:t>对</a:t>
             </a:r>
             <a:r>
               <a:rPr lang="zh-CN" altLang="en-US" sz="2400" dirty="0" smtClean="0"/>
-              <a:t>方式，房</a:t>
-            </a:r>
-            <a:r>
-              <a:rPr lang="en-US" altLang="zh-CN" sz="2400" dirty="0" err="1" smtClean="0"/>
-              <a:t>mysql</a:t>
-            </a:r>
-            <a:r>
-              <a:rPr lang="zh-CN" altLang="en-US" sz="2400" dirty="0" smtClean="0"/>
-              <a:t>优化器自己判断驱动表</a:t>
-            </a:r>
-            <a:endParaRPr lang="en-US" altLang="zh-CN" sz="2400" dirty="0" smtClean="0"/>
-          </a:p>
-          <a:p>
-            <a:pPr marL="914400" lvl="1" indent="-514350">
-              <a:buFont typeface="+mj-lt"/>
-              <a:buAutoNum type="arabicPeriod"/>
-            </a:pPr>
-            <a:r>
-              <a:rPr lang="zh-CN" altLang="en-US" sz="2400" dirty="0" smtClean="0"/>
-              <a:t>对驱动表可以直接利用索引排序，非驱动表排序需要合并结果用临时表排序（临时表没有索引）</a:t>
+              <a:t>驱动表可以直接利用索引排序，非驱动表排序需要合并结果用临时表排序（临时表没有索引）</a:t>
             </a:r>
             <a:endParaRPr lang="en-US" altLang="zh-CN" sz="2400" dirty="0" smtClean="0"/>
           </a:p>
@@ -3581,10 +3558,129 @@
         </p:nvSpPr>
         <p:spPr/>
         <p:txBody>
-          <a:bodyPr/>
-          <a:lstStyle/>
-          <a:p>
-            <a:endParaRPr lang="zh-CN" altLang="en-US"/>
+          <a:bodyPr>
+            <a:normAutofit fontScale="92500" lnSpcReduction="20000"/>
+          </a:bodyPr>
+          <a:lstStyle/>
+          <a:p>
+            <a:r>
+              <a:rPr lang="zh-CN" altLang="en-US" dirty="0" smtClean="0"/>
+              <a:t>原理：先利用索引覆盖获得</a:t>
+            </a:r>
+            <a:r>
+              <a:rPr lang="en-US" altLang="zh-CN" dirty="0" smtClean="0"/>
+              <a:t>ID</a:t>
+            </a:r>
+            <a:r>
+              <a:rPr lang="zh-CN" altLang="en-US" dirty="0" smtClean="0"/>
+              <a:t>，再关联原表查询记录。</a:t>
+            </a:r>
+            <a:endParaRPr lang="en-US" altLang="zh-CN" dirty="0" smtClean="0"/>
+          </a:p>
+          <a:p>
+            <a:endParaRPr lang="en-US" altLang="zh-CN" dirty="0"/>
+          </a:p>
+          <a:p>
+            <a:r>
+              <a:rPr lang="zh-CN" altLang="en-US" dirty="0" smtClean="0"/>
+              <a:t>例子：分页优化</a:t>
+            </a:r>
+            <a:endParaRPr lang="en-US" altLang="zh-CN" dirty="0" smtClean="0"/>
+          </a:p>
+          <a:p>
+            <a:pPr marL="0" indent="0">
+              <a:buNone/>
+            </a:pPr>
+            <a:r>
+              <a:rPr lang="en-US" altLang="zh-CN" dirty="0"/>
+              <a:t>SELECT * from </a:t>
+            </a:r>
+            <a:r>
+              <a:rPr lang="en-US" altLang="zh-CN" dirty="0" err="1"/>
+              <a:t>emp</a:t>
+            </a:r>
+            <a:r>
+              <a:rPr lang="en-US" altLang="zh-CN" dirty="0"/>
+              <a:t> t where </a:t>
+            </a:r>
+            <a:r>
+              <a:rPr lang="en-US" altLang="zh-CN" dirty="0" err="1"/>
+              <a:t>t.empno</a:t>
+            </a:r>
+            <a:r>
+              <a:rPr lang="en-US" altLang="zh-CN" dirty="0"/>
+              <a:t> &gt;10  limit </a:t>
+            </a:r>
+            <a:r>
+              <a:rPr lang="en-US" altLang="zh-CN" dirty="0" smtClean="0"/>
+              <a:t>1000000,10</a:t>
+            </a:r>
+            <a:endParaRPr lang="en-US" altLang="zh-CN" dirty="0"/>
+          </a:p>
+          <a:p>
+            <a:endParaRPr lang="en-US" altLang="zh-CN" dirty="0"/>
+          </a:p>
+          <a:p>
+            <a:pPr marL="0" indent="0">
+              <a:buNone/>
+            </a:pPr>
+            <a:r>
+              <a:rPr lang="en-US" altLang="zh-CN" dirty="0"/>
+              <a:t>SELECT * from </a:t>
+            </a:r>
+            <a:r>
+              <a:rPr lang="en-US" altLang="zh-CN" dirty="0" err="1"/>
+              <a:t>emp</a:t>
+            </a:r>
+            <a:r>
+              <a:rPr lang="en-US" altLang="zh-CN" dirty="0"/>
+              <a:t> t0,(  SELECT id from </a:t>
+            </a:r>
+            <a:r>
+              <a:rPr lang="en-US" altLang="zh-CN" dirty="0" err="1"/>
+              <a:t>emp</a:t>
+            </a:r>
+            <a:r>
+              <a:rPr lang="en-US" altLang="zh-CN" dirty="0"/>
+              <a:t> </a:t>
+            </a:r>
+            <a:r>
+              <a:rPr lang="en-US" altLang="zh-CN" dirty="0" smtClean="0"/>
+              <a:t>where </a:t>
+            </a:r>
+            <a:r>
+              <a:rPr lang="en-US" altLang="zh-CN" dirty="0" err="1" smtClean="0"/>
+              <a:t>empno</a:t>
+            </a:r>
+            <a:r>
+              <a:rPr lang="en-US" altLang="zh-CN" dirty="0" smtClean="0"/>
+              <a:t> </a:t>
+            </a:r>
+            <a:r>
+              <a:rPr lang="en-US" altLang="zh-CN" dirty="0"/>
+              <a:t>&gt; 10 limit  </a:t>
+            </a:r>
+            <a:r>
+              <a:rPr lang="en-US" altLang="zh-CN" dirty="0" smtClean="0"/>
+              <a:t>1000000,10</a:t>
+            </a:r>
+            <a:r>
+              <a:rPr lang="en-US" altLang="zh-CN" dirty="0"/>
+              <a:t>) </a:t>
+            </a:r>
+            <a:r>
+              <a:rPr lang="en-US" altLang="zh-CN" dirty="0" smtClean="0"/>
+              <a:t>t1 </a:t>
+            </a:r>
+            <a:r>
+              <a:rPr lang="en-US" altLang="zh-CN" dirty="0"/>
+              <a:t>where t0.id = </a:t>
+            </a:r>
+            <a:r>
+              <a:rPr lang="en-US" altLang="zh-CN" dirty="0" smtClean="0"/>
+              <a:t>t1.id</a:t>
+            </a:r>
+            <a:endParaRPr lang="zh-CN" altLang="en-US" dirty="0"/>
           </a:p>
         </p:txBody>
       </p:sp>
@@ -3654,7 +3750,7 @@
         <p:spPr/>
         <p:txBody>
           <a:bodyPr>
-            <a:normAutofit fontScale="92500" lnSpcReduction="10000"/>
+            <a:normAutofit/>
           </a:bodyPr>
           <a:lstStyle/>
           <a:p>
@@ -3753,16 +3849,6 @@
             <a:pPr marL="457200" lvl="1" indent="0">
               <a:buNone/>
             </a:pPr>
-            <a:endParaRPr lang="en-US" altLang="zh-CN" dirty="0" smtClean="0"/>
-          </a:p>
-          <a:p>
-            <a:pPr marL="457200" lvl="1" indent="0">
-              <a:buNone/>
-            </a:pPr>
-            <a:r>
-              <a:rPr lang="zh-CN" altLang="en-US" dirty="0" smtClean="0"/>
-              <a:t>建议：尽量避免子查询语句，将子查询改写为连接查询或拆成几条查询语句</a:t>
-            </a:r>
             <a:endParaRPr lang="en-US" altLang="zh-CN" dirty="0" smtClean="0"/>
           </a:p>
           <a:p>
@@ -3775,6 +3861,180 @@
     <p:extLst>
       <p:ext uri="{BB962C8B-B14F-4D97-AF65-F5344CB8AC3E}">
         <p14:creationId xmlns:p14="http://schemas.microsoft.com/office/powerpoint/2010/main" val="3145650505"/>
+      </p:ext>
+    </p:extLst>
+  </p:cSld>
+  <p:clrMapOvr>
+    <a:masterClrMapping/>
+  </p:clrMapOvr>
+</p:sld>
+</file>
+
+<file path=ppt/slides/slide7.xml><?xml version="1.0" encoding="utf-8"?>
+<p:sld xmlns:a="http://schemas.openxmlformats.org/drawingml/2006/main" xmlns:r="http://schemas.openxmlformats.org/officeDocument/2006/relationships" xmlns:p="http://schemas.openxmlformats.org/presentationml/2006/main">
+  <p:cSld>
+    <p:spTree>
+      <p:nvGrpSpPr>
+        <p:cNvPr id="1" name=""/>
+        <p:cNvGrpSpPr/>
+        <p:nvPr/>
+      </p:nvGrpSpPr>
+      <p:grpSpPr>
+        <a:xfrm>
+          <a:off x="0" y="0"/>
+          <a:ext cx="0" cy="0"/>
+          <a:chOff x="0" y="0"/>
+          <a:chExt cx="0" cy="0"/>
+        </a:xfrm>
+      </p:grpSpPr>
+      <p:sp>
+        <p:nvSpPr>
+          <p:cNvPr id="2" name="标题 1"/>
+          <p:cNvSpPr>
+            <a:spLocks noGrp="1"/>
+          </p:cNvSpPr>
+          <p:nvPr>
+            <p:ph type="title"/>
+          </p:nvPr>
+        </p:nvSpPr>
+        <p:spPr/>
+        <p:txBody>
+          <a:bodyPr/>
+          <a:lstStyle/>
+          <a:p>
+            <a:r>
+              <a:rPr lang="en-US" altLang="zh-CN" dirty="0" err="1" smtClean="0"/>
+              <a:t>Mysql</a:t>
+            </a:r>
+            <a:r>
+              <a:rPr lang="zh-CN" altLang="en-US" dirty="0" smtClean="0"/>
+              <a:t>连接查询建议</a:t>
+            </a:r>
+            <a:endParaRPr lang="zh-CN" altLang="en-US" dirty="0"/>
+          </a:p>
+        </p:txBody>
+      </p:sp>
+      <p:sp>
+        <p:nvSpPr>
+          <p:cNvPr id="3" name="内容占位符 2"/>
+          <p:cNvSpPr>
+            <a:spLocks noGrp="1"/>
+          </p:cNvSpPr>
+          <p:nvPr>
+            <p:ph idx="1"/>
+          </p:nvPr>
+        </p:nvSpPr>
+        <p:spPr/>
+        <p:txBody>
+          <a:bodyPr>
+            <a:normAutofit lnSpcReduction="10000"/>
+          </a:bodyPr>
+          <a:lstStyle/>
+          <a:p>
+            <a:r>
+              <a:rPr lang="en-US" altLang="zh-CN" dirty="0" smtClean="0"/>
+              <a:t>1.</a:t>
+            </a:r>
+            <a:r>
+              <a:rPr lang="zh-CN" altLang="en-US" dirty="0" smtClean="0"/>
+              <a:t>尽量使用单表查询</a:t>
+            </a:r>
+            <a:endParaRPr lang="en-US" altLang="zh-CN" dirty="0" smtClean="0"/>
+          </a:p>
+          <a:p>
+            <a:endParaRPr lang="en-US" altLang="zh-CN" dirty="0" smtClean="0"/>
+          </a:p>
+          <a:p>
+            <a:r>
+              <a:rPr lang="en-US" altLang="zh-CN" dirty="0" smtClean="0"/>
+              <a:t>2.</a:t>
+            </a:r>
+            <a:r>
+              <a:rPr lang="zh-CN" altLang="en-US" dirty="0" smtClean="0"/>
+              <a:t>连接查询，连接表数量不应超过</a:t>
+            </a:r>
+            <a:r>
+              <a:rPr lang="en-US" altLang="zh-CN" dirty="0" smtClean="0"/>
+              <a:t>3</a:t>
+            </a:r>
+            <a:r>
+              <a:rPr lang="zh-CN" altLang="en-US" dirty="0" smtClean="0"/>
+              <a:t>个</a:t>
+            </a:r>
+            <a:endParaRPr lang="en-US" altLang="zh-CN" dirty="0" smtClean="0"/>
+          </a:p>
+          <a:p>
+            <a:endParaRPr lang="en-US" altLang="zh-CN" dirty="0" smtClean="0"/>
+          </a:p>
+          <a:p>
+            <a:pPr marL="342900" lvl="1" indent="-342900">
+              <a:buFont typeface="Arial" pitchFamily="34" charset="0"/>
+              <a:buChar char="•"/>
+            </a:pPr>
+            <a:r>
+              <a:rPr lang="en-US" altLang="zh-CN" sz="3200" dirty="0"/>
+              <a:t>3.</a:t>
+            </a:r>
+            <a:r>
+              <a:rPr lang="zh-CN" altLang="en-US" sz="3200" dirty="0"/>
+              <a:t>尽量不要指定</a:t>
+            </a:r>
+            <a:r>
+              <a:rPr lang="en-US" altLang="zh-CN" sz="3200" dirty="0"/>
+              <a:t>join</a:t>
+            </a:r>
+            <a:r>
+              <a:rPr lang="zh-CN" altLang="en-US" sz="3200" dirty="0"/>
+              <a:t>方式，让</a:t>
+            </a:r>
+            <a:r>
+              <a:rPr lang="en-US" altLang="zh-CN" sz="3200" dirty="0" err="1"/>
+              <a:t>mysql</a:t>
+            </a:r>
+            <a:r>
+              <a:rPr lang="zh-CN" altLang="en-US" sz="3200" dirty="0"/>
+              <a:t>优化器自己判断驱动</a:t>
+            </a:r>
+            <a:r>
+              <a:rPr lang="zh-CN" altLang="en-US" sz="3200" dirty="0" smtClean="0"/>
+              <a:t>表</a:t>
+            </a:r>
+            <a:endParaRPr lang="en-US" altLang="zh-CN" sz="3200" smtClean="0"/>
+          </a:p>
+          <a:p>
+            <a:pPr marL="342900" lvl="1" indent="-342900">
+              <a:buFont typeface="Arial" pitchFamily="34" charset="0"/>
+              <a:buChar char="•"/>
+            </a:pPr>
+            <a:endParaRPr lang="en-US" altLang="zh-CN" sz="3200" dirty="0"/>
+          </a:p>
+          <a:p>
+            <a:pPr marL="342900" lvl="1" indent="-342900">
+              <a:buFont typeface="Arial" pitchFamily="34" charset="0"/>
+              <a:buChar char="•"/>
+            </a:pPr>
+            <a:r>
+              <a:rPr lang="en-US" altLang="zh-CN" dirty="0" smtClean="0"/>
+              <a:t>4.</a:t>
+            </a:r>
+            <a:r>
+              <a:rPr lang="zh-CN" altLang="en-US" dirty="0"/>
+              <a:t>尽量避免子查询语句，将子查询改写为连接查询或拆成几条查询语句</a:t>
+            </a:r>
+            <a:endParaRPr lang="en-US" altLang="zh-CN" dirty="0"/>
+          </a:p>
+          <a:p>
+            <a:endParaRPr lang="en-US" altLang="zh-CN" dirty="0" smtClean="0"/>
+          </a:p>
+          <a:p>
+            <a:endParaRPr lang="zh-CN" altLang="en-US" dirty="0"/>
+          </a:p>
+        </p:txBody>
+      </p:sp>
+    </p:spTree>
+    <p:extLst>
+      <p:ext uri="{BB962C8B-B14F-4D97-AF65-F5344CB8AC3E}">
+        <p14:creationId xmlns:p14="http://schemas.microsoft.com/office/powerpoint/2010/main" val="1257227496"/>
       </p:ext>
     </p:extLst>
   </p:cSld>

--- a/mysql/mysql分享-连接查询和子查询.pptx
+++ b/mysql/mysql分享-连接查询和子查询.pptx
@@ -294,7 +294,7 @@
           <a:p>
             <a:fld id="{530820CF-B880-4189-942D-D702A7CBA730}" type="datetimeFigureOut">
               <a:rPr lang="zh-CN" altLang="en-US" smtClean="0"/>
-              <a:t>2018/4/10</a:t>
+              <a:t>2018/4/13</a:t>
             </a:fld>
             <a:endParaRPr lang="zh-CN" altLang="en-US"/>
           </a:p>
@@ -459,7 +459,7 @@
           <a:p>
             <a:fld id="{530820CF-B880-4189-942D-D702A7CBA730}" type="datetimeFigureOut">
               <a:rPr lang="zh-CN" altLang="en-US" smtClean="0"/>
-              <a:t>2018/4/10</a:t>
+              <a:t>2018/4/13</a:t>
             </a:fld>
             <a:endParaRPr lang="zh-CN" altLang="en-US"/>
           </a:p>
@@ -634,7 +634,7 @@
           <a:p>
             <a:fld id="{530820CF-B880-4189-942D-D702A7CBA730}" type="datetimeFigureOut">
               <a:rPr lang="zh-CN" altLang="en-US" smtClean="0"/>
-              <a:t>2018/4/10</a:t>
+              <a:t>2018/4/13</a:t>
             </a:fld>
             <a:endParaRPr lang="zh-CN" altLang="en-US"/>
           </a:p>
@@ -799,7 +799,7 @@
           <a:p>
             <a:fld id="{530820CF-B880-4189-942D-D702A7CBA730}" type="datetimeFigureOut">
               <a:rPr lang="zh-CN" altLang="en-US" smtClean="0"/>
-              <a:t>2018/4/10</a:t>
+              <a:t>2018/4/13</a:t>
             </a:fld>
             <a:endParaRPr lang="zh-CN" altLang="en-US"/>
           </a:p>
@@ -1040,7 +1040,7 @@
           <a:p>
             <a:fld id="{530820CF-B880-4189-942D-D702A7CBA730}" type="datetimeFigureOut">
               <a:rPr lang="zh-CN" altLang="en-US" smtClean="0"/>
-              <a:t>2018/4/10</a:t>
+              <a:t>2018/4/13</a:t>
             </a:fld>
             <a:endParaRPr lang="zh-CN" altLang="en-US"/>
           </a:p>
@@ -1323,7 +1323,7 @@
           <a:p>
             <a:fld id="{530820CF-B880-4189-942D-D702A7CBA730}" type="datetimeFigureOut">
               <a:rPr lang="zh-CN" altLang="en-US" smtClean="0"/>
-              <a:t>2018/4/10</a:t>
+              <a:t>2018/4/13</a:t>
             </a:fld>
             <a:endParaRPr lang="zh-CN" altLang="en-US"/>
           </a:p>
@@ -1740,7 +1740,7 @@
           <a:p>
             <a:fld id="{530820CF-B880-4189-942D-D702A7CBA730}" type="datetimeFigureOut">
               <a:rPr lang="zh-CN" altLang="en-US" smtClean="0"/>
-              <a:t>2018/4/10</a:t>
+              <a:t>2018/4/13</a:t>
             </a:fld>
             <a:endParaRPr lang="zh-CN" altLang="en-US"/>
           </a:p>
@@ -1853,7 +1853,7 @@
           <a:p>
             <a:fld id="{530820CF-B880-4189-942D-D702A7CBA730}" type="datetimeFigureOut">
               <a:rPr lang="zh-CN" altLang="en-US" smtClean="0"/>
-              <a:t>2018/4/10</a:t>
+              <a:t>2018/4/13</a:t>
             </a:fld>
             <a:endParaRPr lang="zh-CN" altLang="en-US"/>
           </a:p>
@@ -1943,7 +1943,7 @@
           <a:p>
             <a:fld id="{530820CF-B880-4189-942D-D702A7CBA730}" type="datetimeFigureOut">
               <a:rPr lang="zh-CN" altLang="en-US" smtClean="0"/>
-              <a:t>2018/4/10</a:t>
+              <a:t>2018/4/13</a:t>
             </a:fld>
             <a:endParaRPr lang="zh-CN" altLang="en-US"/>
           </a:p>
@@ -2215,7 +2215,7 @@
           <a:p>
             <a:fld id="{530820CF-B880-4189-942D-D702A7CBA730}" type="datetimeFigureOut">
               <a:rPr lang="zh-CN" altLang="en-US" smtClean="0"/>
-              <a:t>2018/4/10</a:t>
+              <a:t>2018/4/13</a:t>
             </a:fld>
             <a:endParaRPr lang="zh-CN" altLang="en-US"/>
           </a:p>
@@ -2463,7 +2463,7 @@
           <a:p>
             <a:fld id="{530820CF-B880-4189-942D-D702A7CBA730}" type="datetimeFigureOut">
               <a:rPr lang="zh-CN" altLang="en-US" smtClean="0"/>
-              <a:t>2018/4/10</a:t>
+              <a:t>2018/4/13</a:t>
             </a:fld>
             <a:endParaRPr lang="zh-CN" altLang="en-US"/>
           </a:p>
@@ -2671,7 +2671,7 @@
           <a:p>
             <a:fld id="{530820CF-B880-4189-942D-D702A7CBA730}" type="datetimeFigureOut">
               <a:rPr lang="zh-CN" altLang="en-US" smtClean="0"/>
-              <a:t>2018/4/10</a:t>
+              <a:t>2018/4/13</a:t>
             </a:fld>
             <a:endParaRPr lang="zh-CN" altLang="en-US"/>
           </a:p>
@@ -3480,11 +3480,7 @@
             </a:pPr>
             <a:r>
               <a:rPr lang="zh-CN" altLang="en-US" sz="2400" dirty="0" smtClean="0"/>
-              <a:t>对</a:t>
-            </a:r>
-            <a:r>
-              <a:rPr lang="zh-CN" altLang="en-US" sz="2400" dirty="0" smtClean="0"/>
-              <a:t>驱动表可以直接利用索引排序，非驱动表排序需要合并结果用临时表排序（临时表没有索引）</a:t>
+              <a:t>对驱动表可以直接利用索引排序，非驱动表排序需要合并结果用临时表排序（临时表没有索引）</a:t>
             </a:r>
             <a:endParaRPr lang="en-US" altLang="zh-CN" sz="2400" dirty="0" smtClean="0"/>
           </a:p>
@@ -3559,7 +3555,7 @@
         <p:spPr/>
         <p:txBody>
           <a:bodyPr>
-            <a:normAutofit fontScale="92500" lnSpcReduction="20000"/>
+            <a:normAutofit fontScale="85000" lnSpcReduction="10000"/>
           </a:bodyPr>
           <a:lstStyle/>
           <a:p>
@@ -3583,7 +3579,34 @@
           <a:p>
             <a:r>
               <a:rPr lang="zh-CN" altLang="en-US" dirty="0" smtClean="0"/>
-              <a:t>例子：分页优化</a:t>
+              <a:t>例子：分页</a:t>
+            </a:r>
+            <a:r>
+              <a:rPr lang="zh-CN" altLang="en-US" dirty="0" smtClean="0"/>
+              <a:t>优化</a:t>
+            </a:r>
+            <a:endParaRPr lang="en-US" altLang="zh-CN" dirty="0" smtClean="0"/>
+          </a:p>
+          <a:p>
+            <a:r>
+              <a:rPr lang="zh-CN" altLang="en-US" dirty="0" smtClean="0"/>
+              <a:t>表</a:t>
+            </a:r>
+            <a:r>
+              <a:rPr lang="en-US" altLang="zh-CN" dirty="0" err="1" smtClean="0"/>
+              <a:t>emp</a:t>
+            </a:r>
+            <a:r>
+              <a:rPr lang="zh-CN" altLang="en-US" dirty="0" smtClean="0"/>
+              <a:t>的列</a:t>
+            </a:r>
+            <a:r>
+              <a:rPr lang="en-US" altLang="zh-CN" dirty="0" err="1" smtClean="0"/>
+              <a:t>empno</a:t>
+            </a:r>
+            <a:r>
+              <a:rPr lang="zh-CN" altLang="en-US" smtClean="0"/>
+              <a:t>上有索引</a:t>
             </a:r>
             <a:endParaRPr lang="en-US" altLang="zh-CN" dirty="0" smtClean="0"/>
           </a:p>
@@ -3999,7 +4022,7 @@
               <a:rPr lang="zh-CN" altLang="en-US" sz="3200" dirty="0" smtClean="0"/>
               <a:t>表</a:t>
             </a:r>
-            <a:endParaRPr lang="en-US" altLang="zh-CN" sz="3200" smtClean="0"/>
+            <a:endParaRPr lang="en-US" altLang="zh-CN" sz="3200" dirty="0" smtClean="0"/>
           </a:p>
           <a:p>
             <a:pPr marL="342900" lvl="1" indent="-342900">
